--- a/temp/temp.pptx
+++ b/temp/temp.pptx
@@ -8,11 +8,16 @@
     <p:sldId id="258" r:id="rId2"/>
     <p:sldId id="259" r:id="rId3"/>
     <p:sldId id="265" r:id="rId4"/>
-    <p:sldId id="256" r:id="rId5"/>
-    <p:sldId id="257" r:id="rId6"/>
-    <p:sldId id="260" r:id="rId7"/>
-    <p:sldId id="261" r:id="rId8"/>
-    <p:sldId id="262" r:id="rId9"/>
+    <p:sldId id="266" r:id="rId5"/>
+    <p:sldId id="267" r:id="rId6"/>
+    <p:sldId id="256" r:id="rId7"/>
+    <p:sldId id="257" r:id="rId8"/>
+    <p:sldId id="260" r:id="rId9"/>
+    <p:sldId id="262" r:id="rId10"/>
+    <p:sldId id="269" r:id="rId11"/>
+    <p:sldId id="270" r:id="rId12"/>
+    <p:sldId id="271" r:id="rId13"/>
+    <p:sldId id="272" r:id="rId14"/>
   </p:sldIdLst>
   <p:sldSz cx="12192000" cy="6858000"/>
   <p:notesSz cx="6858000" cy="9144000"/>
@@ -111,6 +116,11 @@
       </a:defRPr>
     </a:lvl9pPr>
   </p:defaultTextStyle>
+  <p:extLst>
+    <p:ext uri="{EFAFB233-063F-42B5-8137-9DF3F51BA10A}">
+      <p15:sldGuideLst xmlns:p15="http://schemas.microsoft.com/office/powerpoint/2012/main"/>
+    </p:ext>
+  </p:extLst>
 </p:presentation>
 </file>
 
@@ -261,7 +271,7 @@
           <a:p>
             <a:fld id="{FF677873-499F-4C67-879E-FA6F79C54A61}" type="datetimeFigureOut">
               <a:rPr lang="zh-CN" altLang="en-US" smtClean="0"/>
-              <a:t>2025/1/9</a:t>
+              <a:t>2025/1/13</a:t>
             </a:fld>
             <a:endParaRPr lang="zh-CN" altLang="en-US"/>
           </a:p>
@@ -459,7 +469,7 @@
           <a:p>
             <a:fld id="{FF677873-499F-4C67-879E-FA6F79C54A61}" type="datetimeFigureOut">
               <a:rPr lang="zh-CN" altLang="en-US" smtClean="0"/>
-              <a:t>2025/1/9</a:t>
+              <a:t>2025/1/13</a:t>
             </a:fld>
             <a:endParaRPr lang="zh-CN" altLang="en-US"/>
           </a:p>
@@ -667,7 +677,7 @@
           <a:p>
             <a:fld id="{FF677873-499F-4C67-879E-FA6F79C54A61}" type="datetimeFigureOut">
               <a:rPr lang="zh-CN" altLang="en-US" smtClean="0"/>
-              <a:t>2025/1/9</a:t>
+              <a:t>2025/1/13</a:t>
             </a:fld>
             <a:endParaRPr lang="zh-CN" altLang="en-US"/>
           </a:p>
@@ -865,7 +875,7 @@
           <a:p>
             <a:fld id="{FF677873-499F-4C67-879E-FA6F79C54A61}" type="datetimeFigureOut">
               <a:rPr lang="zh-CN" altLang="en-US" smtClean="0"/>
-              <a:t>2025/1/9</a:t>
+              <a:t>2025/1/13</a:t>
             </a:fld>
             <a:endParaRPr lang="zh-CN" altLang="en-US"/>
           </a:p>
@@ -1140,7 +1150,7 @@
           <a:p>
             <a:fld id="{FF677873-499F-4C67-879E-FA6F79C54A61}" type="datetimeFigureOut">
               <a:rPr lang="zh-CN" altLang="en-US" smtClean="0"/>
-              <a:t>2025/1/9</a:t>
+              <a:t>2025/1/13</a:t>
             </a:fld>
             <a:endParaRPr lang="zh-CN" altLang="en-US"/>
           </a:p>
@@ -1405,7 +1415,7 @@
           <a:p>
             <a:fld id="{FF677873-499F-4C67-879E-FA6F79C54A61}" type="datetimeFigureOut">
               <a:rPr lang="zh-CN" altLang="en-US" smtClean="0"/>
-              <a:t>2025/1/9</a:t>
+              <a:t>2025/1/13</a:t>
             </a:fld>
             <a:endParaRPr lang="zh-CN" altLang="en-US"/>
           </a:p>
@@ -1817,7 +1827,7 @@
           <a:p>
             <a:fld id="{FF677873-499F-4C67-879E-FA6F79C54A61}" type="datetimeFigureOut">
               <a:rPr lang="zh-CN" altLang="en-US" smtClean="0"/>
-              <a:t>2025/1/9</a:t>
+              <a:t>2025/1/13</a:t>
             </a:fld>
             <a:endParaRPr lang="zh-CN" altLang="en-US"/>
           </a:p>
@@ -1958,7 +1968,7 @@
           <a:p>
             <a:fld id="{FF677873-499F-4C67-879E-FA6F79C54A61}" type="datetimeFigureOut">
               <a:rPr lang="zh-CN" altLang="en-US" smtClean="0"/>
-              <a:t>2025/1/9</a:t>
+              <a:t>2025/1/13</a:t>
             </a:fld>
             <a:endParaRPr lang="zh-CN" altLang="en-US"/>
           </a:p>
@@ -2071,7 +2081,7 @@
           <a:p>
             <a:fld id="{FF677873-499F-4C67-879E-FA6F79C54A61}" type="datetimeFigureOut">
               <a:rPr lang="zh-CN" altLang="en-US" smtClean="0"/>
-              <a:t>2025/1/9</a:t>
+              <a:t>2025/1/13</a:t>
             </a:fld>
             <a:endParaRPr lang="zh-CN" altLang="en-US"/>
           </a:p>
@@ -2382,7 +2392,7 @@
           <a:p>
             <a:fld id="{FF677873-499F-4C67-879E-FA6F79C54A61}" type="datetimeFigureOut">
               <a:rPr lang="zh-CN" altLang="en-US" smtClean="0"/>
-              <a:t>2025/1/9</a:t>
+              <a:t>2025/1/13</a:t>
             </a:fld>
             <a:endParaRPr lang="zh-CN" altLang="en-US"/>
           </a:p>
@@ -2670,7 +2680,7 @@
           <a:p>
             <a:fld id="{FF677873-499F-4C67-879E-FA6F79C54A61}" type="datetimeFigureOut">
               <a:rPr lang="zh-CN" altLang="en-US" smtClean="0"/>
-              <a:t>2025/1/9</a:t>
+              <a:t>2025/1/13</a:t>
             </a:fld>
             <a:endParaRPr lang="zh-CN" altLang="en-US"/>
           </a:p>
@@ -2911,7 +2921,7 @@
           <a:p>
             <a:fld id="{FF677873-499F-4C67-879E-FA6F79C54A61}" type="datetimeFigureOut">
               <a:rPr lang="zh-CN" altLang="en-US" smtClean="0"/>
-              <a:t>2025/1/9</a:t>
+              <a:t>2025/1/13</a:t>
             </a:fld>
             <a:endParaRPr lang="zh-CN" altLang="en-US"/>
           </a:p>
@@ -3395,6 +3405,460 @@
 </p:sld>
 </file>
 
+<file path=ppt/slides/slide10.xml><?xml version="1.0" encoding="utf-8"?>
+<p:sld xmlns:a="http://schemas.openxmlformats.org/drawingml/2006/main" xmlns:r="http://schemas.openxmlformats.org/officeDocument/2006/relationships" xmlns:p="http://schemas.openxmlformats.org/presentationml/2006/main">
+  <p:cSld>
+    <p:spTree>
+      <p:nvGrpSpPr>
+        <p:cNvPr id="1" name=""/>
+        <p:cNvGrpSpPr/>
+        <p:nvPr/>
+      </p:nvGrpSpPr>
+      <p:grpSpPr>
+        <a:xfrm>
+          <a:off x="0" y="0"/>
+          <a:ext cx="0" cy="0"/>
+          <a:chOff x="0" y="0"/>
+          <a:chExt cx="0" cy="0"/>
+        </a:xfrm>
+      </p:grpSpPr>
+      <p:sp>
+        <p:nvSpPr>
+          <p:cNvPr id="2" name="Title 1"/>
+          <p:cNvSpPr>
+            <a:spLocks noGrp="1"/>
+          </p:cNvSpPr>
+          <p:nvPr>
+            <p:ph type="title"/>
+          </p:nvPr>
+        </p:nvSpPr>
+        <p:spPr/>
+        <p:txBody>
+          <a:bodyPr/>
+          <a:lstStyle/>
+          <a:p>
+            <a:r>
+              <a:t>Formula for Weight Calculation</a:t>
+            </a:r>
+          </a:p>
+        </p:txBody>
+      </p:sp>
+      <p:sp>
+        <p:nvSpPr>
+          <p:cNvPr id="3" name="Content Placeholder 2"/>
+          <p:cNvSpPr>
+            <a:spLocks noGrp="1"/>
+          </p:cNvSpPr>
+          <p:nvPr>
+            <p:ph idx="1"/>
+          </p:nvPr>
+        </p:nvSpPr>
+        <p:spPr/>
+        <p:txBody>
+          <a:bodyPr>
+            <a:normAutofit fontScale="77500" lnSpcReduction="20000"/>
+          </a:bodyPr>
+          <a:lstStyle/>
+          <a:p>
+            <a:r>
+              <a:rPr dirty="0"/>
+              <a:t>The weight for each worker is calculated using the formula:</a:t>
+            </a:r>
+          </a:p>
+          <a:p>
+            <a:endParaRPr dirty="0"/>
+          </a:p>
+          <a:p>
+            <a:r>
+              <a:rPr lang="en-US" b="1" i="1" dirty="0"/>
+              <a:t>new_</a:t>
+            </a:r>
+            <a:r>
+              <a:rPr b="1" i="1" dirty="0"/>
+              <a:t>w</a:t>
+            </a:r>
+            <a:r>
+              <a:rPr lang="en-US" b="1" i="1" dirty="0"/>
+              <a:t>eight</a:t>
+            </a:r>
+            <a:r>
+              <a:rPr b="1" i="1" dirty="0"/>
+              <a:t> = 1 / (1 + α * T + β * N + γ * C)</a:t>
+            </a:r>
+          </a:p>
+          <a:p>
+            <a:endParaRPr dirty="0"/>
+          </a:p>
+          <a:p>
+            <a:r>
+              <a:rPr dirty="0"/>
+              <a:t>Where:</a:t>
+            </a:r>
+          </a:p>
+          <a:p>
+            <a:r>
+              <a:rPr dirty="0"/>
+              <a:t>  - </a:t>
+            </a:r>
+            <a:r>
+              <a:rPr lang="en-US" altLang="zh-CN" dirty="0"/>
+              <a:t>new_weight </a:t>
+            </a:r>
+            <a:r>
+              <a:rPr dirty="0"/>
+              <a:t>: New weight for the worker</a:t>
+            </a:r>
+          </a:p>
+          <a:p>
+            <a:r>
+              <a:rPr dirty="0"/>
+              <a:t>  - T: Task complexity (processing time)</a:t>
+            </a:r>
+          </a:p>
+          <a:p>
+            <a:r>
+              <a:rPr dirty="0"/>
+              <a:t>  - N: Current queue size</a:t>
+            </a:r>
+          </a:p>
+          <a:p>
+            <a:r>
+              <a:rPr dirty="0"/>
+              <a:t>  - C: Current active connections</a:t>
+            </a:r>
+          </a:p>
+          <a:p>
+            <a:r>
+              <a:rPr dirty="0"/>
+              <a:t>  - α: Impact factor for task complexity</a:t>
+            </a:r>
+          </a:p>
+          <a:p>
+            <a:r>
+              <a:rPr dirty="0"/>
+              <a:t>  - β: Impact factor for queue size</a:t>
+            </a:r>
+          </a:p>
+          <a:p>
+            <a:r>
+              <a:rPr dirty="0"/>
+              <a:t>  - γ: Impact factor for active connections</a:t>
+            </a:r>
+          </a:p>
+          <a:p>
+            <a:endParaRPr dirty="0"/>
+          </a:p>
+        </p:txBody>
+      </p:sp>
+    </p:spTree>
+  </p:cSld>
+  <p:clrMapOvr>
+    <a:masterClrMapping/>
+  </p:clrMapOvr>
+</p:sld>
+</file>
+
+<file path=ppt/slides/slide11.xml><?xml version="1.0" encoding="utf-8"?>
+<p:sld xmlns:a="http://schemas.openxmlformats.org/drawingml/2006/main" xmlns:r="http://schemas.openxmlformats.org/officeDocument/2006/relationships" xmlns:p="http://schemas.openxmlformats.org/presentationml/2006/main">
+  <p:cSld>
+    <p:spTree>
+      <p:nvGrpSpPr>
+        <p:cNvPr id="1" name=""/>
+        <p:cNvGrpSpPr/>
+        <p:nvPr/>
+      </p:nvGrpSpPr>
+      <p:grpSpPr>
+        <a:xfrm>
+          <a:off x="0" y="0"/>
+          <a:ext cx="0" cy="0"/>
+          <a:chOff x="0" y="0"/>
+          <a:chExt cx="0" cy="0"/>
+        </a:xfrm>
+      </p:grpSpPr>
+      <p:sp>
+        <p:nvSpPr>
+          <p:cNvPr id="2" name="Title 1"/>
+          <p:cNvSpPr>
+            <a:spLocks noGrp="1"/>
+          </p:cNvSpPr>
+          <p:nvPr>
+            <p:ph type="title"/>
+          </p:nvPr>
+        </p:nvSpPr>
+        <p:spPr/>
+        <p:txBody>
+          <a:bodyPr/>
+          <a:lstStyle/>
+          <a:p>
+            <a:r>
+              <a:t>Parameter Details</a:t>
+            </a:r>
+          </a:p>
+        </p:txBody>
+      </p:sp>
+      <p:sp>
+        <p:nvSpPr>
+          <p:cNvPr id="3" name="Content Placeholder 2"/>
+          <p:cNvSpPr>
+            <a:spLocks noGrp="1"/>
+          </p:cNvSpPr>
+          <p:nvPr>
+            <p:ph idx="1"/>
+          </p:nvPr>
+        </p:nvSpPr>
+        <p:spPr/>
+        <p:txBody>
+          <a:bodyPr>
+            <a:normAutofit lnSpcReduction="10000"/>
+          </a:bodyPr>
+          <a:lstStyle/>
+          <a:p>
+            <a:r>
+              <a:t>Key Parameters:</a:t>
+            </a:r>
+          </a:p>
+          <a:p>
+            <a:r>
+              <a:t>  - α (alpha): Adjusts the influence of task complexity.</a:t>
+            </a:r>
+          </a:p>
+          <a:p>
+            <a:r>
+              <a:t>  - β (beta): Adjusts the influence of queue size.</a:t>
+            </a:r>
+          </a:p>
+          <a:p>
+            <a:r>
+              <a:t>  - γ (gamma): Adjusts the influence of active connections.</a:t>
+            </a:r>
+          </a:p>
+          <a:p>
+            <a:r>
+              <a:t>  - δ (delta): Smoothing factor for historical and new weights.</a:t>
+            </a:r>
+          </a:p>
+          <a:p>
+            <a:r>
+              <a:t>  - ε (epsilon): Minimum weight to ensure no worker is skipped.</a:t>
+            </a:r>
+          </a:p>
+          <a:p>
+            <a:endParaRPr/>
+          </a:p>
+          <a:p>
+            <a:r>
+              <a:t>Smoothing Update:</a:t>
+            </a:r>
+          </a:p>
+          <a:p>
+            <a:r>
+              <a:t>w_new = max(ε, w_old * (1 - δ) + w_calculated * δ)</a:t>
+            </a:r>
+          </a:p>
+        </p:txBody>
+      </p:sp>
+    </p:spTree>
+  </p:cSld>
+  <p:clrMapOvr>
+    <a:masterClrMapping/>
+  </p:clrMapOvr>
+</p:sld>
+</file>
+
+<file path=ppt/slides/slide12.xml><?xml version="1.0" encoding="utf-8"?>
+<p:sld xmlns:a="http://schemas.openxmlformats.org/drawingml/2006/main" xmlns:r="http://schemas.openxmlformats.org/officeDocument/2006/relationships" xmlns:p="http://schemas.openxmlformats.org/presentationml/2006/main">
+  <p:cSld>
+    <p:spTree>
+      <p:nvGrpSpPr>
+        <p:cNvPr id="1" name=""/>
+        <p:cNvGrpSpPr/>
+        <p:nvPr/>
+      </p:nvGrpSpPr>
+      <p:grpSpPr>
+        <a:xfrm>
+          <a:off x="0" y="0"/>
+          <a:ext cx="0" cy="0"/>
+          <a:chOff x="0" y="0"/>
+          <a:chExt cx="0" cy="0"/>
+        </a:xfrm>
+      </p:grpSpPr>
+      <p:sp>
+        <p:nvSpPr>
+          <p:cNvPr id="2" name="标题 1">
+            <a:extLst>
+              <a:ext uri="{FF2B5EF4-FFF2-40B4-BE49-F238E27FC236}">
+                <a16:creationId xmlns:a16="http://schemas.microsoft.com/office/drawing/2014/main" id="{6D3130DA-4C18-8862-74F6-2487E24304EB}"/>
+              </a:ext>
+            </a:extLst>
+          </p:cNvPr>
+          <p:cNvSpPr>
+            <a:spLocks noGrp="1"/>
+          </p:cNvSpPr>
+          <p:nvPr>
+            <p:ph type="title"/>
+          </p:nvPr>
+        </p:nvSpPr>
+        <p:spPr/>
+        <p:txBody>
+          <a:bodyPr/>
+          <a:lstStyle/>
+          <a:p>
+            <a:r>
+              <a:rPr lang="en-US" altLang="zh-CN" dirty="0"/>
+              <a:t>Result</a:t>
+            </a:r>
+            <a:endParaRPr lang="zh-CN" altLang="en-US" dirty="0"/>
+          </a:p>
+        </p:txBody>
+      </p:sp>
+      <p:pic>
+        <p:nvPicPr>
+          <p:cNvPr id="12" name="内容占位符 11" descr="图表, 条形图&#10;&#10;描述已自动生成">
+            <a:extLst>
+              <a:ext uri="{FF2B5EF4-FFF2-40B4-BE49-F238E27FC236}">
+                <a16:creationId xmlns:a16="http://schemas.microsoft.com/office/drawing/2014/main" id="{05810AB4-DBC2-40DD-ACE7-25E9EFD5F2CF}"/>
+              </a:ext>
+            </a:extLst>
+          </p:cNvPr>
+          <p:cNvPicPr>
+            <a:picLocks noGrp="1" noChangeAspect="1"/>
+          </p:cNvPicPr>
+          <p:nvPr>
+            <p:ph idx="1"/>
+          </p:nvPr>
+        </p:nvPicPr>
+        <p:blipFill>
+          <a:blip r:embed="rId2">
+            <a:extLst>
+              <a:ext uri="{28A0092B-C50C-407E-A947-70E740481C1C}">
+                <a14:useLocalDpi xmlns:a14="http://schemas.microsoft.com/office/drawing/2010/main" val="0"/>
+              </a:ext>
+            </a:extLst>
+          </a:blip>
+          <a:stretch>
+            <a:fillRect/>
+          </a:stretch>
+        </p:blipFill>
+        <p:spPr>
+          <a:xfrm>
+            <a:off x="1132769" y="1690688"/>
+            <a:ext cx="8946444" cy="5032375"/>
+          </a:xfrm>
+          <a:prstGeom prst="rect">
+            <a:avLst/>
+          </a:prstGeom>
+        </p:spPr>
+      </p:pic>
+    </p:spTree>
+    <p:extLst>
+      <p:ext uri="{BB962C8B-B14F-4D97-AF65-F5344CB8AC3E}">
+        <p14:creationId xmlns:p14="http://schemas.microsoft.com/office/powerpoint/2010/main" val="3507435040"/>
+      </p:ext>
+    </p:extLst>
+  </p:cSld>
+  <p:clrMapOvr>
+    <a:masterClrMapping/>
+  </p:clrMapOvr>
+</p:sld>
+</file>
+
+<file path=ppt/slides/slide13.xml><?xml version="1.0" encoding="utf-8"?>
+<p:sld xmlns:a="http://schemas.openxmlformats.org/drawingml/2006/main" xmlns:r="http://schemas.openxmlformats.org/officeDocument/2006/relationships" xmlns:p="http://schemas.openxmlformats.org/presentationml/2006/main">
+  <p:cSld>
+    <p:spTree>
+      <p:nvGrpSpPr>
+        <p:cNvPr id="1" name=""/>
+        <p:cNvGrpSpPr/>
+        <p:nvPr/>
+      </p:nvGrpSpPr>
+      <p:grpSpPr>
+        <a:xfrm>
+          <a:off x="0" y="0"/>
+          <a:ext cx="0" cy="0"/>
+          <a:chOff x="0" y="0"/>
+          <a:chExt cx="0" cy="0"/>
+        </a:xfrm>
+      </p:grpSpPr>
+      <p:sp>
+        <p:nvSpPr>
+          <p:cNvPr id="2" name="标题 1">
+            <a:extLst>
+              <a:ext uri="{FF2B5EF4-FFF2-40B4-BE49-F238E27FC236}">
+                <a16:creationId xmlns:a16="http://schemas.microsoft.com/office/drawing/2014/main" id="{43A6B2E0-332D-806A-CB45-327D715F9519}"/>
+              </a:ext>
+            </a:extLst>
+          </p:cNvPr>
+          <p:cNvSpPr>
+            <a:spLocks noGrp="1"/>
+          </p:cNvSpPr>
+          <p:nvPr>
+            <p:ph type="title"/>
+          </p:nvPr>
+        </p:nvSpPr>
+        <p:spPr/>
+        <p:txBody>
+          <a:bodyPr/>
+          <a:lstStyle/>
+          <a:p>
+            <a:r>
+              <a:rPr lang="en-US" altLang="zh-CN" dirty="0"/>
+              <a:t>Result</a:t>
+            </a:r>
+            <a:endParaRPr lang="zh-CN" altLang="en-US" dirty="0"/>
+          </a:p>
+        </p:txBody>
+      </p:sp>
+      <p:pic>
+        <p:nvPicPr>
+          <p:cNvPr id="9" name="内容占位符 8" descr="图表, 条形图&#10;&#10;描述已自动生成">
+            <a:extLst>
+              <a:ext uri="{FF2B5EF4-FFF2-40B4-BE49-F238E27FC236}">
+                <a16:creationId xmlns:a16="http://schemas.microsoft.com/office/drawing/2014/main" id="{02E9EFD1-D465-5CB6-EADF-9C3EFDB8989D}"/>
+              </a:ext>
+            </a:extLst>
+          </p:cNvPr>
+          <p:cNvPicPr>
+            <a:picLocks noGrp="1" noChangeAspect="1"/>
+          </p:cNvPicPr>
+          <p:nvPr>
+            <p:ph idx="1"/>
+          </p:nvPr>
+        </p:nvPicPr>
+        <p:blipFill>
+          <a:blip r:embed="rId2">
+            <a:extLst>
+              <a:ext uri="{28A0092B-C50C-407E-A947-70E740481C1C}">
+                <a14:useLocalDpi xmlns:a14="http://schemas.microsoft.com/office/drawing/2010/main" val="0"/>
+              </a:ext>
+            </a:extLst>
+          </a:blip>
+          <a:stretch>
+            <a:fillRect/>
+          </a:stretch>
+        </p:blipFill>
+        <p:spPr>
+          <a:xfrm>
+            <a:off x="1447093" y="1472208"/>
+            <a:ext cx="8925631" cy="5020667"/>
+          </a:xfrm>
+          <a:prstGeom prst="rect">
+            <a:avLst/>
+          </a:prstGeom>
+        </p:spPr>
+      </p:pic>
+    </p:spTree>
+    <p:extLst>
+      <p:ext uri="{BB962C8B-B14F-4D97-AF65-F5344CB8AC3E}">
+        <p14:creationId xmlns:p14="http://schemas.microsoft.com/office/powerpoint/2010/main" val="4120584862"/>
+      </p:ext>
+    </p:extLst>
+  </p:cSld>
+  <p:clrMapOvr>
+    <a:masterClrMapping/>
+  </p:clrMapOvr>
+</p:sld>
+</file>
+
 <file path=ppt/slides/slide2.xml><?xml version="1.0" encoding="utf-8"?>
 <p:sld xmlns:a="http://schemas.openxmlformats.org/drawingml/2006/main" xmlns:r="http://schemas.openxmlformats.org/officeDocument/2006/relationships" xmlns:p="http://schemas.openxmlformats.org/presentationml/2006/main">
   <p:cSld>
@@ -3441,8 +3905,8 @@
           </a:p>
         </p:txBody>
       </p:sp>
-      <mc:AlternateContent xmlns:mc="http://schemas.openxmlformats.org/markup-compatibility/2006">
-        <mc:Choice xmlns:a14="http://schemas.microsoft.com/office/drawing/2010/main" Requires="a14">
+      <mc:AlternateContent xmlns:mc="http://schemas.openxmlformats.org/markup-compatibility/2006" xmlns:a14="http://schemas.microsoft.com/office/drawing/2010/main">
+        <mc:Choice Requires="a14">
           <p:sp>
             <p:nvSpPr>
               <p:cNvPr id="3" name="内容占位符 2">
@@ -3478,7 +3942,7 @@
                       <m:sSub>
                         <m:sSubPr>
                           <m:ctrlPr>
-                            <a:rPr lang="zh-CN" altLang="en-US" dirty="0" smtClean="0">
+                            <a:rPr lang="zh-CN" altLang="en-US" i="1" dirty="0" smtClean="0">
                               <a:solidFill>
                                 <a:srgbClr val="836967"/>
                               </a:solidFill>
@@ -3527,7 +3991,7 @@
                       <m:d>
                         <m:dPr>
                           <m:ctrlPr>
-                            <a:rPr lang="en-US" altLang="zh-CN" b="0" i="0" dirty="0" smtClean="0">
+                            <a:rPr lang="en-US" altLang="zh-CN" b="0" i="1" dirty="0" smtClean="0">
                               <a:latin typeface="Cambria Math" panose="02040503050406030204" pitchFamily="18" charset="0"/>
                             </a:rPr>
                           </m:ctrlPr>
@@ -3538,7 +4002,7 @@
                               <m:begChr m:val="["/>
                               <m:endChr m:val="]"/>
                               <m:ctrlPr>
-                                <a:rPr lang="en-US" altLang="zh-CN" b="0" i="0" dirty="0" smtClean="0">
+                                <a:rPr lang="en-US" altLang="zh-CN" b="0" i="1" dirty="0" smtClean="0">
                                   <a:latin typeface="Cambria Math" panose="02040503050406030204" pitchFamily="18" charset="0"/>
                                 </a:rPr>
                               </m:ctrlPr>
@@ -3676,7 +4140,7 @@
             </p:txBody>
           </p:sp>
         </mc:Choice>
-        <mc:Fallback>
+        <mc:Fallback xmlns="">
           <p:sp>
             <p:nvSpPr>
               <p:cNvPr id="3" name="内容占位符 2">
@@ -3780,7 +4244,7 @@
           <a:p>
             <a:r>
               <a:rPr lang="en-US" altLang="zh-CN" dirty="0"/>
-              <a:t>Result</a:t>
+              <a:t>Wait time error graph (algorithm: shortest)</a:t>
             </a:r>
             <a:endParaRPr lang="zh-CN" altLang="en-US" dirty="0"/>
           </a:p>
@@ -3859,15 +4323,15 @@
           <p:cNvPr id="2" name="标题 1">
             <a:extLst>
               <a:ext uri="{FF2B5EF4-FFF2-40B4-BE49-F238E27FC236}">
-                <a16:creationId xmlns:a16="http://schemas.microsoft.com/office/drawing/2014/main" id="{DE883DCA-F896-1ADF-E8EB-F354A4F97603}"/>
-              </a:ext>
-            </a:extLst>
-          </p:cNvPr>
-          <p:cNvSpPr>
-            <a:spLocks noGrp="1"/>
-          </p:cNvSpPr>
-          <p:nvPr>
-            <p:ph type="ctrTitle"/>
+                <a16:creationId xmlns:a16="http://schemas.microsoft.com/office/drawing/2014/main" id="{218C51DB-42DB-A75C-8866-FF2D36D378CA}"/>
+              </a:ext>
+            </a:extLst>
+          </p:cNvPr>
+          <p:cNvSpPr>
+            <a:spLocks noGrp="1"/>
+          </p:cNvSpPr>
+          <p:nvPr>
+            <p:ph type="title"/>
           </p:nvPr>
         </p:nvSpPr>
         <p:spPr/>
@@ -3877,16 +4341,51 @@
           <a:p>
             <a:r>
               <a:rPr lang="en-US" altLang="zh-CN" dirty="0"/>
-              <a:t>Dynamic weight </a:t>
+              <a:t>Wait time error graph (algorithm: shortest)</a:t>
             </a:r>
             <a:endParaRPr lang="zh-CN" altLang="en-US" dirty="0"/>
           </a:p>
         </p:txBody>
       </p:sp>
+      <p:pic>
+        <p:nvPicPr>
+          <p:cNvPr id="5" name="内容占位符 4" descr="图形用户界面, 图表, 散点图&#10;&#10;描述已自动生成">
+            <a:extLst>
+              <a:ext uri="{FF2B5EF4-FFF2-40B4-BE49-F238E27FC236}">
+                <a16:creationId xmlns:a16="http://schemas.microsoft.com/office/drawing/2014/main" id="{7143281D-EAF1-FFD2-4CCA-589EC9B6D770}"/>
+              </a:ext>
+            </a:extLst>
+          </p:cNvPr>
+          <p:cNvPicPr>
+            <a:picLocks noGrp="1" noChangeAspect="1"/>
+          </p:cNvPicPr>
+          <p:nvPr>
+            <p:ph idx="1"/>
+          </p:nvPr>
+        </p:nvPicPr>
+        <p:blipFill>
+          <a:blip r:embed="rId2">
+            <a:extLst>
+              <a:ext uri="{28A0092B-C50C-407E-A947-70E740481C1C}">
+                <a14:useLocalDpi xmlns:a14="http://schemas.microsoft.com/office/drawing/2010/main" val="0"/>
+              </a:ext>
+            </a:extLst>
+          </a:blip>
+          <a:stretch>
+            <a:fillRect/>
+          </a:stretch>
+        </p:blipFill>
+        <p:spPr>
+          <a:xfrm>
+            <a:off x="1502834" y="1325563"/>
+            <a:ext cx="9186332" cy="5167312"/>
+          </a:xfrm>
+        </p:spPr>
+      </p:pic>
     </p:spTree>
     <p:extLst>
       <p:ext uri="{BB962C8B-B14F-4D97-AF65-F5344CB8AC3E}">
-        <p14:creationId xmlns:p14="http://schemas.microsoft.com/office/powerpoint/2010/main" val="1202875579"/>
+        <p14:creationId xmlns:p14="http://schemas.microsoft.com/office/powerpoint/2010/main" val="282912455"/>
       </p:ext>
     </p:extLst>
   </p:cSld>
@@ -3918,6 +4417,164 @@
           <p:cNvPr id="2" name="标题 1">
             <a:extLst>
               <a:ext uri="{FF2B5EF4-FFF2-40B4-BE49-F238E27FC236}">
+                <a16:creationId xmlns:a16="http://schemas.microsoft.com/office/drawing/2014/main" id="{E4280BE2-3013-54E4-25A4-B8A8E510BB2C}"/>
+              </a:ext>
+            </a:extLst>
+          </p:cNvPr>
+          <p:cNvSpPr>
+            <a:spLocks noGrp="1"/>
+          </p:cNvSpPr>
+          <p:nvPr>
+            <p:ph type="title"/>
+          </p:nvPr>
+        </p:nvSpPr>
+        <p:spPr>
+          <a:xfrm>
+            <a:off x="838199" y="211732"/>
+            <a:ext cx="10515600" cy="1325563"/>
+          </a:xfrm>
+        </p:spPr>
+        <p:txBody>
+          <a:bodyPr/>
+          <a:lstStyle/>
+          <a:p>
+            <a:r>
+              <a:rPr lang="en-US" altLang="zh-CN" dirty="0"/>
+              <a:t>Sum of all requests’ response time by every algorithm</a:t>
+            </a:r>
+            <a:endParaRPr lang="zh-CN" altLang="en-US" dirty="0"/>
+          </a:p>
+        </p:txBody>
+      </p:sp>
+      <p:pic>
+        <p:nvPicPr>
+          <p:cNvPr id="5" name="内容占位符 4" descr="图表, 条形图&#10;&#10;描述已自动生成">
+            <a:extLst>
+              <a:ext uri="{FF2B5EF4-FFF2-40B4-BE49-F238E27FC236}">
+                <a16:creationId xmlns:a16="http://schemas.microsoft.com/office/drawing/2014/main" id="{E13EECDD-FF93-FE18-E35C-0E74E6649CE1}"/>
+              </a:ext>
+            </a:extLst>
+          </p:cNvPr>
+          <p:cNvPicPr>
+            <a:picLocks noGrp="1" noChangeAspect="1"/>
+          </p:cNvPicPr>
+          <p:nvPr>
+            <p:ph idx="1"/>
+          </p:nvPr>
+        </p:nvPicPr>
+        <p:blipFill>
+          <a:blip r:embed="rId2">
+            <a:extLst>
+              <a:ext uri="{28A0092B-C50C-407E-A947-70E740481C1C}">
+                <a14:useLocalDpi xmlns:a14="http://schemas.microsoft.com/office/drawing/2010/main" val="0"/>
+              </a:ext>
+            </a:extLst>
+          </a:blip>
+          <a:stretch>
+            <a:fillRect/>
+          </a:stretch>
+        </p:blipFill>
+        <p:spPr>
+          <a:xfrm>
+            <a:off x="1366484" y="1537295"/>
+            <a:ext cx="9459031" cy="5320705"/>
+          </a:xfrm>
+        </p:spPr>
+      </p:pic>
+    </p:spTree>
+    <p:extLst>
+      <p:ext uri="{BB962C8B-B14F-4D97-AF65-F5344CB8AC3E}">
+        <p14:creationId xmlns:p14="http://schemas.microsoft.com/office/powerpoint/2010/main" val="4163365889"/>
+      </p:ext>
+    </p:extLst>
+  </p:cSld>
+  <p:clrMapOvr>
+    <a:masterClrMapping/>
+  </p:clrMapOvr>
+</p:sld>
+</file>
+
+<file path=ppt/slides/slide6.xml><?xml version="1.0" encoding="utf-8"?>
+<p:sld xmlns:a="http://schemas.openxmlformats.org/drawingml/2006/main" xmlns:r="http://schemas.openxmlformats.org/officeDocument/2006/relationships" xmlns:p="http://schemas.openxmlformats.org/presentationml/2006/main">
+  <p:cSld>
+    <p:spTree>
+      <p:nvGrpSpPr>
+        <p:cNvPr id="1" name=""/>
+        <p:cNvGrpSpPr/>
+        <p:nvPr/>
+      </p:nvGrpSpPr>
+      <p:grpSpPr>
+        <a:xfrm>
+          <a:off x="0" y="0"/>
+          <a:ext cx="0" cy="0"/>
+          <a:chOff x="0" y="0"/>
+          <a:chExt cx="0" cy="0"/>
+        </a:xfrm>
+      </p:grpSpPr>
+      <p:sp>
+        <p:nvSpPr>
+          <p:cNvPr id="2" name="标题 1">
+            <a:extLst>
+              <a:ext uri="{FF2B5EF4-FFF2-40B4-BE49-F238E27FC236}">
+                <a16:creationId xmlns:a16="http://schemas.microsoft.com/office/drawing/2014/main" id="{DE883DCA-F896-1ADF-E8EB-F354A4F97603}"/>
+              </a:ext>
+            </a:extLst>
+          </p:cNvPr>
+          <p:cNvSpPr>
+            <a:spLocks noGrp="1"/>
+          </p:cNvSpPr>
+          <p:nvPr>
+            <p:ph type="ctrTitle"/>
+          </p:nvPr>
+        </p:nvSpPr>
+        <p:spPr/>
+        <p:txBody>
+          <a:bodyPr/>
+          <a:lstStyle/>
+          <a:p>
+            <a:r>
+              <a:rPr lang="en-US" altLang="zh-CN" dirty="0"/>
+              <a:t>Dynamic weight </a:t>
+            </a:r>
+            <a:endParaRPr lang="zh-CN" altLang="en-US" dirty="0"/>
+          </a:p>
+        </p:txBody>
+      </p:sp>
+    </p:spTree>
+    <p:extLst>
+      <p:ext uri="{BB962C8B-B14F-4D97-AF65-F5344CB8AC3E}">
+        <p14:creationId xmlns:p14="http://schemas.microsoft.com/office/powerpoint/2010/main" val="1202875579"/>
+      </p:ext>
+    </p:extLst>
+  </p:cSld>
+  <p:clrMapOvr>
+    <a:masterClrMapping/>
+  </p:clrMapOvr>
+</p:sld>
+</file>
+
+<file path=ppt/slides/slide7.xml><?xml version="1.0" encoding="utf-8"?>
+<p:sld xmlns:a="http://schemas.openxmlformats.org/drawingml/2006/main" xmlns:r="http://schemas.openxmlformats.org/officeDocument/2006/relationships" xmlns:p="http://schemas.openxmlformats.org/presentationml/2006/main">
+  <p:cSld>
+    <p:spTree>
+      <p:nvGrpSpPr>
+        <p:cNvPr id="1" name=""/>
+        <p:cNvGrpSpPr/>
+        <p:nvPr/>
+      </p:nvGrpSpPr>
+      <p:grpSpPr>
+        <a:xfrm>
+          <a:off x="0" y="0"/>
+          <a:ext cx="0" cy="0"/>
+          <a:chOff x="0" y="0"/>
+          <a:chExt cx="0" cy="0"/>
+        </a:xfrm>
+      </p:grpSpPr>
+      <p:sp>
+        <p:nvSpPr>
+          <p:cNvPr id="2" name="标题 1">
+            <a:extLst>
+              <a:ext uri="{FF2B5EF4-FFF2-40B4-BE49-F238E27FC236}">
                 <a16:creationId xmlns:a16="http://schemas.microsoft.com/office/drawing/2014/main" id="{78D02D0D-EB3E-11E9-D5FC-8B4A49E17EBC}"/>
               </a:ext>
             </a:extLst>
@@ -3942,8 +4599,8 @@
           </a:p>
         </p:txBody>
       </p:sp>
-      <mc:AlternateContent xmlns:mc="http://schemas.openxmlformats.org/markup-compatibility/2006">
-        <mc:Choice xmlns:a14="http://schemas.microsoft.com/office/drawing/2010/main" Requires="a14">
+      <mc:AlternateContent xmlns:mc="http://schemas.openxmlformats.org/markup-compatibility/2006" xmlns:a14="http://schemas.microsoft.com/office/drawing/2010/main">
+        <mc:Choice Requires="a14">
           <p:sp>
             <p:nvSpPr>
               <p:cNvPr id="3" name="内容占位符 2">
@@ -4229,14 +4886,11 @@
                   <a:buNone/>
                 </a:pPr>
                 <a:r>
-                  <a:rPr lang="en-US" altLang="zh-CN" sz="2000">
+                  <a:rPr lang="en-US" altLang="zh-CN" sz="2000" dirty="0">
                     <a:latin typeface="Cambria Math" panose="02040503050406030204" pitchFamily="18" charset="0"/>
                   </a:rPr>
                   <a:t>When a new request arrives, the server will perform the above calculations to update the weight values</a:t>
                 </a:r>
-                <a:endParaRPr lang="en-US" altLang="zh-CN" sz="2000" dirty="0">
-                  <a:latin typeface="Cambria Math" panose="02040503050406030204" pitchFamily="18" charset="0"/>
-                </a:endParaRPr>
               </a:p>
               <a:p>
                 <a:pPr marL="0" indent="0">
@@ -4257,7 +4911,7 @@
             </p:txBody>
           </p:sp>
         </mc:Choice>
-        <mc:Fallback>
+        <mc:Fallback xmlns="">
           <p:sp>
             <p:nvSpPr>
               <p:cNvPr id="3" name="内容占位符 2">
@@ -4310,7 +4964,7 @@
 </p:sld>
 </file>
 
-<file path=ppt/slides/slide6.xml><?xml version="1.0" encoding="utf-8"?>
+<file path=ppt/slides/slide8.xml><?xml version="1.0" encoding="utf-8"?>
 <p:sld xmlns:a="http://schemas.openxmlformats.org/drawingml/2006/main" xmlns:r="http://schemas.openxmlformats.org/officeDocument/2006/relationships" xmlns:p="http://schemas.openxmlformats.org/presentationml/2006/main">
   <p:cSld>
     <p:spTree>
@@ -4404,101 +5058,7 @@
 </p:sld>
 </file>
 
-<file path=ppt/slides/slide7.xml><?xml version="1.0" encoding="utf-8"?>
-<p:sld xmlns:a="http://schemas.openxmlformats.org/drawingml/2006/main" xmlns:r="http://schemas.openxmlformats.org/officeDocument/2006/relationships" xmlns:p="http://schemas.openxmlformats.org/presentationml/2006/main">
-  <p:cSld>
-    <p:spTree>
-      <p:nvGrpSpPr>
-        <p:cNvPr id="1" name=""/>
-        <p:cNvGrpSpPr/>
-        <p:nvPr/>
-      </p:nvGrpSpPr>
-      <p:grpSpPr>
-        <a:xfrm>
-          <a:off x="0" y="0"/>
-          <a:ext cx="0" cy="0"/>
-          <a:chOff x="0" y="0"/>
-          <a:chExt cx="0" cy="0"/>
-        </a:xfrm>
-      </p:grpSpPr>
-      <p:sp>
-        <p:nvSpPr>
-          <p:cNvPr id="2" name="标题 1">
-            <a:extLst>
-              <a:ext uri="{FF2B5EF4-FFF2-40B4-BE49-F238E27FC236}">
-                <a16:creationId xmlns:a16="http://schemas.microsoft.com/office/drawing/2014/main" id="{9F37BC0F-D7CB-8DF1-64DE-8869E6D3DD5F}"/>
-              </a:ext>
-            </a:extLst>
-          </p:cNvPr>
-          <p:cNvSpPr>
-            <a:spLocks noGrp="1"/>
-          </p:cNvSpPr>
-          <p:nvPr>
-            <p:ph type="title"/>
-          </p:nvPr>
-        </p:nvSpPr>
-        <p:spPr/>
-        <p:txBody>
-          <a:bodyPr/>
-          <a:lstStyle/>
-          <a:p>
-            <a:r>
-              <a:rPr lang="en-US" altLang="zh-CN" dirty="0"/>
-              <a:t>Compare</a:t>
-            </a:r>
-            <a:endParaRPr lang="zh-CN" altLang="en-US" dirty="0"/>
-          </a:p>
-        </p:txBody>
-      </p:sp>
-      <p:pic>
-        <p:nvPicPr>
-          <p:cNvPr id="5" name="内容占位符 4" descr="图表, 条形图&#10;&#10;描述已自动生成">
-            <a:extLst>
-              <a:ext uri="{FF2B5EF4-FFF2-40B4-BE49-F238E27FC236}">
-                <a16:creationId xmlns:a16="http://schemas.microsoft.com/office/drawing/2014/main" id="{953BD413-663B-C4F4-B650-A717627AFAC8}"/>
-              </a:ext>
-            </a:extLst>
-          </p:cNvPr>
-          <p:cNvPicPr>
-            <a:picLocks noGrp="1" noChangeAspect="1"/>
-          </p:cNvPicPr>
-          <p:nvPr>
-            <p:ph idx="1"/>
-          </p:nvPr>
-        </p:nvPicPr>
-        <p:blipFill>
-          <a:blip r:embed="rId2">
-            <a:extLst>
-              <a:ext uri="{28A0092B-C50C-407E-A947-70E740481C1C}">
-                <a14:useLocalDpi xmlns:a14="http://schemas.microsoft.com/office/drawing/2010/main" val="0"/>
-              </a:ext>
-            </a:extLst>
-          </a:blip>
-          <a:stretch>
-            <a:fillRect/>
-          </a:stretch>
-        </p:blipFill>
-        <p:spPr>
-          <a:xfrm>
-            <a:off x="1622778" y="1825625"/>
-            <a:ext cx="8946444" cy="5032375"/>
-          </a:xfrm>
-        </p:spPr>
-      </p:pic>
-    </p:spTree>
-    <p:extLst>
-      <p:ext uri="{BB962C8B-B14F-4D97-AF65-F5344CB8AC3E}">
-        <p14:creationId xmlns:p14="http://schemas.microsoft.com/office/powerpoint/2010/main" val="3232443917"/>
-      </p:ext>
-    </p:extLst>
-  </p:cSld>
-  <p:clrMapOvr>
-    <a:masterClrMapping/>
-  </p:clrMapOvr>
-</p:sld>
-</file>
-
-<file path=ppt/slides/slide8.xml><?xml version="1.0" encoding="utf-8"?>
+<file path=ppt/slides/slide9.xml><?xml version="1.0" encoding="utf-8"?>
 <p:sld xmlns:a="http://schemas.openxmlformats.org/drawingml/2006/main" xmlns:r="http://schemas.openxmlformats.org/officeDocument/2006/relationships" xmlns:p="http://schemas.openxmlformats.org/presentationml/2006/main">
   <p:cSld>
     <p:spTree>
